--- a/Midterm_Polars/Polar_PythonLibrary.pptx
+++ b/Midterm_Polars/Polar_PythonLibrary.pptx
@@ -7,7 +7,11 @@
   <p:sldIdLst>
     <p:sldId id="256" r:id="rId2"/>
     <p:sldId id="258" r:id="rId3"/>
-    <p:sldId id="257" r:id="rId4"/>
+    <p:sldId id="260" r:id="rId4"/>
+    <p:sldId id="259" r:id="rId5"/>
+    <p:sldId id="257" r:id="rId6"/>
+    <p:sldId id="261" r:id="rId7"/>
+    <p:sldId id="262" r:id="rId8"/>
   </p:sldIdLst>
   <p:sldSz cx="12192000" cy="6858000"/>
   <p:notesSz cx="6858000" cy="9144000"/>
@@ -106,6 +110,11 @@
       </a:defRPr>
     </a:lvl9pPr>
   </p:defaultTextStyle>
+  <p:extLst>
+    <p:ext uri="{EFAFB233-063F-42B5-8137-9DF3F51BA10A}">
+      <p15:sldGuideLst xmlns:p15="http://schemas.microsoft.com/office/powerpoint/2012/main"/>
+    </p:ext>
+  </p:extLst>
 </p:presentation>
 </file>
 
@@ -256,7 +265,7 @@
           <a:p>
             <a:fld id="{3EF67818-C18B-46F0-AF65-0CF89B93B556}" type="datetimeFigureOut">
               <a:rPr lang="en-US" smtClean="0"/>
-              <a:t>4/1/2025</a:t>
+              <a:t>4/2/2025</a:t>
             </a:fld>
             <a:endParaRPr lang="en-US"/>
           </a:p>
@@ -454,7 +463,7 @@
           <a:p>
             <a:fld id="{3EF67818-C18B-46F0-AF65-0CF89B93B556}" type="datetimeFigureOut">
               <a:rPr lang="en-US" smtClean="0"/>
-              <a:t>4/1/2025</a:t>
+              <a:t>4/2/2025</a:t>
             </a:fld>
             <a:endParaRPr lang="en-US"/>
           </a:p>
@@ -662,7 +671,7 @@
           <a:p>
             <a:fld id="{3EF67818-C18B-46F0-AF65-0CF89B93B556}" type="datetimeFigureOut">
               <a:rPr lang="en-US" smtClean="0"/>
-              <a:t>4/1/2025</a:t>
+              <a:t>4/2/2025</a:t>
             </a:fld>
             <a:endParaRPr lang="en-US"/>
           </a:p>
@@ -860,7 +869,7 @@
           <a:p>
             <a:fld id="{3EF67818-C18B-46F0-AF65-0CF89B93B556}" type="datetimeFigureOut">
               <a:rPr lang="en-US" smtClean="0"/>
-              <a:t>4/1/2025</a:t>
+              <a:t>4/2/2025</a:t>
             </a:fld>
             <a:endParaRPr lang="en-US"/>
           </a:p>
@@ -1135,7 +1144,7 @@
           <a:p>
             <a:fld id="{3EF67818-C18B-46F0-AF65-0CF89B93B556}" type="datetimeFigureOut">
               <a:rPr lang="en-US" smtClean="0"/>
-              <a:t>4/1/2025</a:t>
+              <a:t>4/2/2025</a:t>
             </a:fld>
             <a:endParaRPr lang="en-US"/>
           </a:p>
@@ -1400,7 +1409,7 @@
           <a:p>
             <a:fld id="{3EF67818-C18B-46F0-AF65-0CF89B93B556}" type="datetimeFigureOut">
               <a:rPr lang="en-US" smtClean="0"/>
-              <a:t>4/1/2025</a:t>
+              <a:t>4/2/2025</a:t>
             </a:fld>
             <a:endParaRPr lang="en-US"/>
           </a:p>
@@ -1812,7 +1821,7 @@
           <a:p>
             <a:fld id="{3EF67818-C18B-46F0-AF65-0CF89B93B556}" type="datetimeFigureOut">
               <a:rPr lang="en-US" smtClean="0"/>
-              <a:t>4/1/2025</a:t>
+              <a:t>4/2/2025</a:t>
             </a:fld>
             <a:endParaRPr lang="en-US"/>
           </a:p>
@@ -1953,7 +1962,7 @@
           <a:p>
             <a:fld id="{3EF67818-C18B-46F0-AF65-0CF89B93B556}" type="datetimeFigureOut">
               <a:rPr lang="en-US" smtClean="0"/>
-              <a:t>4/1/2025</a:t>
+              <a:t>4/2/2025</a:t>
             </a:fld>
             <a:endParaRPr lang="en-US"/>
           </a:p>
@@ -2066,7 +2075,7 @@
           <a:p>
             <a:fld id="{3EF67818-C18B-46F0-AF65-0CF89B93B556}" type="datetimeFigureOut">
               <a:rPr lang="en-US" smtClean="0"/>
-              <a:t>4/1/2025</a:t>
+              <a:t>4/2/2025</a:t>
             </a:fld>
             <a:endParaRPr lang="en-US"/>
           </a:p>
@@ -2377,7 +2386,7 @@
           <a:p>
             <a:fld id="{3EF67818-C18B-46F0-AF65-0CF89B93B556}" type="datetimeFigureOut">
               <a:rPr lang="en-US" smtClean="0"/>
-              <a:t>4/1/2025</a:t>
+              <a:t>4/2/2025</a:t>
             </a:fld>
             <a:endParaRPr lang="en-US"/>
           </a:p>
@@ -2665,7 +2674,7 @@
           <a:p>
             <a:fld id="{3EF67818-C18B-46F0-AF65-0CF89B93B556}" type="datetimeFigureOut">
               <a:rPr lang="en-US" smtClean="0"/>
-              <a:t>4/1/2025</a:t>
+              <a:t>4/2/2025</a:t>
             </a:fld>
             <a:endParaRPr lang="en-US"/>
           </a:p>
@@ -2972,7 +2981,7 @@
           <a:p>
             <a:fld id="{3EF67818-C18B-46F0-AF65-0CF89B93B556}" type="datetimeFigureOut">
               <a:rPr lang="en-US" smtClean="0"/>
-              <a:t>4/1/2025</a:t>
+              <a:t>4/2/2025</a:t>
             </a:fld>
             <a:endParaRPr lang="en-US"/>
           </a:p>
@@ -3667,109 +3676,20 @@
           <a:p>
             <a:r>
               <a:rPr lang="en-US" sz="1800" dirty="0"/>
-              <a:t>The Polars library in Python is a high-performance data manipulation library designed primarily for use in data science, data analysis, and machine learning contexts. It provides functionalities similar to pandas but is optimized to handle large datasets more efficiently. Here are some of the key features and uses of Polars:</a:t>
-            </a:r>
-          </a:p>
-          <a:p>
-            <a:pPr>
-              <a:buFont typeface="+mj-lt"/>
-              <a:buAutoNum type="arabicPeriod"/>
-            </a:pPr>
-            <a:r>
-              <a:rPr lang="en-US" sz="1800" b="1" dirty="0"/>
-              <a:t>Speed and Performance</a:t>
-            </a:r>
+              <a:t>The name "Polars" for the Python data frame library originates from its core design principle of leveraging CPU parallelism. Just as polar coordinates define a plane using angles and a radius extending outwards (radially) from a central point, Polars is designed to process data by radiating computations outwards across multiple CPU cores simultaneously. </a:t>
+            </a:r>
+          </a:p>
+          <a:p>
             <a:r>
               <a:rPr lang="en-US" sz="1800" dirty="0"/>
-              <a:t>: Polars is built to be extremely fast, leveraging Rust's memory safety and speed. It uses multithreading effectively and can outperform pandas in many scenarios, especially on large datasets.</a:t>
-            </a:r>
-          </a:p>
-          <a:p>
-            <a:pPr>
-              <a:buFont typeface="+mj-lt"/>
-              <a:buAutoNum type="arabicPeriod"/>
-            </a:pPr>
-            <a:r>
-              <a:rPr lang="en-US" sz="1800" b="1" dirty="0"/>
-              <a:t>Memory Efficiency</a:t>
-            </a:r>
+              <a:t>The Polars library in Python is a high-performance data manipulation library designed primarily for use in data science, data analysis, and machine learning contexts. It provides functionalities similar to pandas but is optimized to handle large datasets more efficiently. </a:t>
+            </a:r>
+          </a:p>
+          <a:p>
             <a:r>
               <a:rPr lang="en-US" sz="1800" dirty="0"/>
-              <a:t>: Due to its columnar storage model and optimized data structures, Polars is able to handle large datasets with a smaller memory footprint compared to pandas.</a:t>
-            </a:r>
-          </a:p>
-          <a:p>
-            <a:pPr>
-              <a:buFont typeface="+mj-lt"/>
-              <a:buAutoNum type="arabicPeriod"/>
-            </a:pPr>
-            <a:r>
-              <a:rPr lang="en-US" sz="1800" b="1" dirty="0"/>
-              <a:t>Lazy Computations</a:t>
-            </a:r>
-            <a:r>
-              <a:rPr lang="en-US" sz="1800" dirty="0"/>
-              <a:t>: Polars supports lazy evaluation, which means that computations are queued up and only executed when necessary. This approach can lead to more efficient use of resources and faster overall performance when processing very large datasets or complex chains of data transformations.</a:t>
-            </a:r>
-          </a:p>
-          <a:p>
-            <a:pPr>
-              <a:buFont typeface="+mj-lt"/>
-              <a:buAutoNum type="arabicPeriod"/>
-            </a:pPr>
-            <a:r>
-              <a:rPr lang="en-US" sz="1800" b="1" dirty="0"/>
-              <a:t>Expressive Syntax</a:t>
-            </a:r>
-            <a:r>
-              <a:rPr lang="en-US" sz="1800" dirty="0"/>
-              <a:t>: While it provides a similar API to pandas, making it easier for pandas users to adapt, Polars also includes its own set of powerful expressions that can be used to perform complex data manipulations more succinctly.</a:t>
-            </a:r>
-          </a:p>
-          <a:p>
-            <a:pPr>
-              <a:buFont typeface="+mj-lt"/>
-              <a:buAutoNum type="arabicPeriod"/>
-            </a:pPr>
-            <a:r>
-              <a:rPr lang="en-US" sz="1800" b="1" dirty="0"/>
-              <a:t>Interoperability</a:t>
-            </a:r>
-            <a:r>
-              <a:rPr lang="en-US" sz="1800" dirty="0"/>
-              <a:t>: Polars can work well with other Python libraries commonly used in the data science stack, such as NumPy and SciPy, and it can also interface with pandas </a:t>
-            </a:r>
-            <a:r>
-              <a:rPr lang="en-US" sz="1800" dirty="0" err="1"/>
-              <a:t>DataFrames</a:t>
-            </a:r>
-            <a:r>
-              <a:rPr lang="en-US" sz="1800" dirty="0"/>
-              <a:t> when needed.</a:t>
-            </a:r>
-          </a:p>
-          <a:p>
-            <a:pPr>
-              <a:buFont typeface="+mj-lt"/>
-              <a:buAutoNum type="arabicPeriod"/>
-            </a:pPr>
-            <a:r>
-              <a:rPr lang="en-US" sz="1800" b="1" dirty="0"/>
-              <a:t>Versatility</a:t>
-            </a:r>
-            <a:r>
-              <a:rPr lang="en-US" sz="1800" dirty="0"/>
-              <a:t>: It can be used for a variety of tasks like data cleaning, transformation, aggregation, and preparation for machine learning models.</a:t>
-            </a:r>
-          </a:p>
-          <a:p>
-            <a:r>
-              <a:rPr lang="en-US" sz="1800" dirty="0"/>
-              <a:t>Polars is particularly useful in scenarios where performance and speed are critical, and it is often used as an alternative to pandas when working with very large datasets that do not fit comfortably into memory.</a:t>
-            </a:r>
-          </a:p>
-          <a:p>
-            <a:endParaRPr lang="en-US" sz="1800" dirty="0"/>
+              <a:t>It is written in Rust and is known for its high performance and efficiency, particularly when working with large datasets. Polars utilizes a multi-threaded query engine and columnar storage, enabling parallel processing and optimized memory usage. It supports lazy evaluation, optimizing queries for better performance and reduced memory consumption. </a:t>
+            </a:r>
           </a:p>
         </p:txBody>
       </p:sp>
@@ -3787,6 +3707,686 @@
 </file>
 
 <file path=ppt/slides/slide3.xml><?xml version="1.0" encoding="utf-8"?>
+<p:sld xmlns:a="http://schemas.openxmlformats.org/drawingml/2006/main" xmlns:r="http://schemas.openxmlformats.org/officeDocument/2006/relationships" xmlns:p="http://schemas.openxmlformats.org/presentationml/2006/main">
+  <p:cSld>
+    <p:spTree>
+      <p:nvGrpSpPr>
+        <p:cNvPr id="1" name=""/>
+        <p:cNvGrpSpPr/>
+        <p:nvPr/>
+      </p:nvGrpSpPr>
+      <p:grpSpPr>
+        <a:xfrm>
+          <a:off x="0" y="0"/>
+          <a:ext cx="0" cy="0"/>
+          <a:chOff x="0" y="0"/>
+          <a:chExt cx="0" cy="0"/>
+        </a:xfrm>
+      </p:grpSpPr>
+      <p:graphicFrame>
+        <p:nvGraphicFramePr>
+          <p:cNvPr id="5" name="think-cell data - do not delete" hidden="1">
+            <a:extLst>
+              <a:ext uri="{FF2B5EF4-FFF2-40B4-BE49-F238E27FC236}">
+                <a16:creationId xmlns:a16="http://schemas.microsoft.com/office/drawing/2014/main" id="{CD07C11E-FB7F-3319-8613-7C730EFF7943}"/>
+              </a:ext>
+            </a:extLst>
+          </p:cNvPr>
+          <p:cNvGraphicFramePr>
+            <a:graphicFrameLocks noChangeAspect="1"/>
+          </p:cNvGraphicFramePr>
+          <p:nvPr>
+            <p:custDataLst>
+              <p:tags r:id="rId1"/>
+            </p:custDataLst>
+            <p:extLst>
+              <p:ext uri="{D42A27DB-BD31-4B8C-83A1-F6EECF244321}">
+                <p14:modId xmlns:p14="http://schemas.microsoft.com/office/powerpoint/2010/main" val="2338473021"/>
+              </p:ext>
+            </p:extLst>
+          </p:nvPr>
+        </p:nvGraphicFramePr>
+        <p:xfrm>
+          <a:off x="1588" y="1588"/>
+          <a:ext cx="1588" cy="1588"/>
+        </p:xfrm>
+        <a:graphic>
+          <a:graphicData uri="http://schemas.openxmlformats.org/presentationml/2006/ole">
+            <mc:AlternateContent xmlns:mc="http://schemas.openxmlformats.org/markup-compatibility/2006">
+              <mc:Choice xmlns:v="urn:schemas-microsoft-com:vml" Requires="v">
+                <p:oleObj name="think-cell Slide" r:id="rId3" imgW="606" imgH="608" progId="TCLayout.ActiveDocument.1">
+                  <p:embed/>
+                </p:oleObj>
+              </mc:Choice>
+              <mc:Fallback>
+                <p:oleObj name="think-cell Slide" r:id="rId3" imgW="606" imgH="608" progId="TCLayout.ActiveDocument.1">
+                  <p:embed/>
+                  <p:pic>
+                    <p:nvPicPr>
+                      <p:cNvPr id="0" name=""/>
+                      <p:cNvPicPr/>
+                      <p:nvPr/>
+                    </p:nvPicPr>
+                    <p:blipFill>
+                      <a:blip r:embed="rId4"/>
+                      <a:stretch>
+                        <a:fillRect/>
+                      </a:stretch>
+                    </p:blipFill>
+                    <p:spPr>
+                      <a:xfrm>
+                        <a:off x="1588" y="1588"/>
+                        <a:ext cx="1588" cy="1588"/>
+                      </a:xfrm>
+                      <a:prstGeom prst="rect">
+                        <a:avLst/>
+                      </a:prstGeom>
+                    </p:spPr>
+                  </p:pic>
+                </p:oleObj>
+              </mc:Fallback>
+            </mc:AlternateContent>
+          </a:graphicData>
+        </a:graphic>
+      </p:graphicFrame>
+      <p:sp>
+        <p:nvSpPr>
+          <p:cNvPr id="2" name="Title 1">
+            <a:extLst>
+              <a:ext uri="{FF2B5EF4-FFF2-40B4-BE49-F238E27FC236}">
+                <a16:creationId xmlns:a16="http://schemas.microsoft.com/office/drawing/2014/main" id="{BDFD3180-EA80-ABCE-C539-692186611337}"/>
+              </a:ext>
+            </a:extLst>
+          </p:cNvPr>
+          <p:cNvSpPr>
+            <a:spLocks noGrp="1"/>
+          </p:cNvSpPr>
+          <p:nvPr>
+            <p:ph type="title"/>
+          </p:nvPr>
+        </p:nvSpPr>
+        <p:spPr/>
+        <p:txBody>
+          <a:bodyPr vert="horz"/>
+          <a:lstStyle/>
+          <a:p>
+            <a:r>
+              <a:rPr lang="en-US" dirty="0"/>
+              <a:t>Key Characteristics of Polars</a:t>
+            </a:r>
+          </a:p>
+        </p:txBody>
+      </p:sp>
+      <p:sp>
+        <p:nvSpPr>
+          <p:cNvPr id="3" name="Content Placeholder 2">
+            <a:extLst>
+              <a:ext uri="{FF2B5EF4-FFF2-40B4-BE49-F238E27FC236}">
+                <a16:creationId xmlns:a16="http://schemas.microsoft.com/office/drawing/2014/main" id="{89A2A7CA-EFA7-CD0C-5A80-51D0BAF782F0}"/>
+              </a:ext>
+            </a:extLst>
+          </p:cNvPr>
+          <p:cNvSpPr>
+            <a:spLocks noGrp="1"/>
+          </p:cNvSpPr>
+          <p:nvPr>
+            <p:ph idx="1"/>
+          </p:nvPr>
+        </p:nvSpPr>
+        <p:spPr/>
+        <p:txBody>
+          <a:bodyPr>
+            <a:normAutofit/>
+          </a:bodyPr>
+          <a:lstStyle/>
+          <a:p>
+            <a:r>
+              <a:rPr lang="en-US" sz="1800" b="1" dirty="0"/>
+              <a:t>Fast: </a:t>
+            </a:r>
+            <a:r>
+              <a:rPr lang="en-US" sz="1800" dirty="0"/>
+              <a:t>Written from scratch in Rust, designed close to the machine and without external dependencies.</a:t>
+            </a:r>
+          </a:p>
+          <a:p>
+            <a:r>
+              <a:rPr lang="en-US" sz="1800" b="1" dirty="0"/>
+              <a:t>I/O: </a:t>
+            </a:r>
+            <a:r>
+              <a:rPr lang="en-US" sz="1800" dirty="0"/>
+              <a:t>First class support for all common data storage layers: local, cloud storage &amp; databases.</a:t>
+            </a:r>
+          </a:p>
+          <a:p>
+            <a:r>
+              <a:rPr lang="en-US" sz="1800" b="1" dirty="0"/>
+              <a:t>Intuitive API: </a:t>
+            </a:r>
+            <a:r>
+              <a:rPr lang="en-US" sz="1800" dirty="0"/>
+              <a:t>Write your queries the way they were intended. Polars, internally, will determine the most efficient way to execute using its query optimizer.</a:t>
+            </a:r>
+          </a:p>
+          <a:p>
+            <a:r>
+              <a:rPr lang="en-US" sz="1800" b="1" dirty="0"/>
+              <a:t>Out of Core: </a:t>
+            </a:r>
+            <a:r>
+              <a:rPr lang="en-US" sz="1800" dirty="0"/>
+              <a:t>The streaming API allows you to process your results without requiring all your data to be in memory at the same time.</a:t>
+            </a:r>
+          </a:p>
+          <a:p>
+            <a:r>
+              <a:rPr lang="en-US" sz="1800" b="1" dirty="0"/>
+              <a:t>Parallel: </a:t>
+            </a:r>
+            <a:r>
+              <a:rPr lang="en-US" sz="1800" dirty="0" err="1"/>
+              <a:t>Utilises</a:t>
+            </a:r>
+            <a:r>
+              <a:rPr lang="en-US" sz="1800" dirty="0"/>
+              <a:t> the power of your machine by dividing the workload among the available CPU cores without any additional configuration.</a:t>
+            </a:r>
+          </a:p>
+          <a:p>
+            <a:r>
+              <a:rPr lang="en-US" sz="1800" b="1" dirty="0"/>
+              <a:t>GPU Support: </a:t>
+            </a:r>
+            <a:r>
+              <a:rPr lang="en-US" sz="1800" dirty="0"/>
+              <a:t>Optionally run queries on NVIDIA GPUs for maximum performance for in-memory workloads.</a:t>
+            </a:r>
+          </a:p>
+        </p:txBody>
+      </p:sp>
+    </p:spTree>
+    <p:extLst>
+      <p:ext uri="{BB962C8B-B14F-4D97-AF65-F5344CB8AC3E}">
+        <p14:creationId xmlns:p14="http://schemas.microsoft.com/office/powerpoint/2010/main" val="818824605"/>
+      </p:ext>
+    </p:extLst>
+  </p:cSld>
+  <p:clrMapOvr>
+    <a:masterClrMapping/>
+  </p:clrMapOvr>
+</p:sld>
+</file>
+
+<file path=ppt/slides/slide4.xml><?xml version="1.0" encoding="utf-8"?>
+<p:sld xmlns:a="http://schemas.openxmlformats.org/drawingml/2006/main" xmlns:r="http://schemas.openxmlformats.org/officeDocument/2006/relationships" xmlns:p="http://schemas.openxmlformats.org/presentationml/2006/main">
+  <p:cSld>
+    <p:spTree>
+      <p:nvGrpSpPr>
+        <p:cNvPr id="1" name=""/>
+        <p:cNvGrpSpPr/>
+        <p:nvPr/>
+      </p:nvGrpSpPr>
+      <p:grpSpPr>
+        <a:xfrm>
+          <a:off x="0" y="0"/>
+          <a:ext cx="0" cy="0"/>
+          <a:chOff x="0" y="0"/>
+          <a:chExt cx="0" cy="0"/>
+        </a:xfrm>
+      </p:grpSpPr>
+      <p:sp>
+        <p:nvSpPr>
+          <p:cNvPr id="2" name="Title 1">
+            <a:extLst>
+              <a:ext uri="{FF2B5EF4-FFF2-40B4-BE49-F238E27FC236}">
+                <a16:creationId xmlns:a16="http://schemas.microsoft.com/office/drawing/2014/main" id="{4FD1668A-5CB4-D98C-9490-7CC399CAF16E}"/>
+              </a:ext>
+            </a:extLst>
+          </p:cNvPr>
+          <p:cNvSpPr>
+            <a:spLocks noGrp="1"/>
+          </p:cNvSpPr>
+          <p:nvPr>
+            <p:ph type="title"/>
+          </p:nvPr>
+        </p:nvSpPr>
+        <p:spPr/>
+        <p:txBody>
+          <a:bodyPr/>
+          <a:lstStyle/>
+          <a:p>
+            <a:endParaRPr lang="en-US"/>
+          </a:p>
+        </p:txBody>
+      </p:sp>
+      <p:sp>
+        <p:nvSpPr>
+          <p:cNvPr id="3" name="Content Placeholder 2">
+            <a:extLst>
+              <a:ext uri="{FF2B5EF4-FFF2-40B4-BE49-F238E27FC236}">
+                <a16:creationId xmlns:a16="http://schemas.microsoft.com/office/drawing/2014/main" id="{401D73A1-2EAB-752C-8ED1-B287E26D61D2}"/>
+              </a:ext>
+            </a:extLst>
+          </p:cNvPr>
+          <p:cNvSpPr>
+            <a:spLocks noGrp="1"/>
+          </p:cNvSpPr>
+          <p:nvPr>
+            <p:ph idx="1"/>
+          </p:nvPr>
+        </p:nvSpPr>
+        <p:spPr/>
+        <p:txBody>
+          <a:bodyPr/>
+          <a:lstStyle/>
+          <a:p>
+            <a:pPr marL="228600" marR="0" lvl="0" indent="-228600" algn="l" defTabSz="914400" rtl="0" eaLnBrk="1" fontAlgn="auto" latinLnBrk="0" hangingPunct="1">
+              <a:lnSpc>
+                <a:spcPct val="90000"/>
+              </a:lnSpc>
+              <a:spcBef>
+                <a:spcPts val="1000"/>
+              </a:spcBef>
+              <a:spcAft>
+                <a:spcPts val="0"/>
+              </a:spcAft>
+              <a:buClrTx/>
+              <a:buSzTx/>
+              <a:buFont typeface="+mj-lt"/>
+              <a:buAutoNum type="arabicPeriod"/>
+              <a:tabLst/>
+              <a:defRPr/>
+            </a:pPr>
+            <a:r>
+              <a:rPr kumimoji="0" lang="en-US" sz="1800" b="1" i="0" u="none" strike="noStrike" kern="1200" cap="none" spc="0" normalizeH="0" baseline="0" noProof="0" dirty="0">
+                <a:ln>
+                  <a:noFill/>
+                </a:ln>
+                <a:solidFill>
+                  <a:prstClr val="black"/>
+                </a:solidFill>
+                <a:effectLst/>
+                <a:uLnTx/>
+                <a:uFillTx/>
+                <a:latin typeface="Aptos" panose="02110004020202020204"/>
+                <a:ea typeface="+mn-ea"/>
+                <a:cs typeface="+mn-cs"/>
+              </a:rPr>
+              <a:t>Speed and Performance</a:t>
+            </a:r>
+            <a:r>
+              <a:rPr kumimoji="0" lang="en-US" sz="1800" b="0" i="0" u="none" strike="noStrike" kern="1200" cap="none" spc="0" normalizeH="0" baseline="0" noProof="0" dirty="0">
+                <a:ln>
+                  <a:noFill/>
+                </a:ln>
+                <a:solidFill>
+                  <a:prstClr val="black"/>
+                </a:solidFill>
+                <a:effectLst/>
+                <a:uLnTx/>
+                <a:uFillTx/>
+                <a:latin typeface="Aptos" panose="02110004020202020204"/>
+                <a:ea typeface="+mn-ea"/>
+                <a:cs typeface="+mn-cs"/>
+              </a:rPr>
+              <a:t>: Polars is built to be extremely fast, leveraging Rust's memory safety and speed. It uses multithreading effectively and can outperform pandas in many scenarios, especially on large datasets.</a:t>
+            </a:r>
+          </a:p>
+          <a:p>
+            <a:pPr marL="228600" marR="0" lvl="0" indent="-228600" algn="l" defTabSz="914400" rtl="0" eaLnBrk="1" fontAlgn="auto" latinLnBrk="0" hangingPunct="1">
+              <a:lnSpc>
+                <a:spcPct val="90000"/>
+              </a:lnSpc>
+              <a:spcBef>
+                <a:spcPts val="1000"/>
+              </a:spcBef>
+              <a:spcAft>
+                <a:spcPts val="0"/>
+              </a:spcAft>
+              <a:buClrTx/>
+              <a:buSzTx/>
+              <a:buFont typeface="+mj-lt"/>
+              <a:buAutoNum type="arabicPeriod"/>
+              <a:tabLst/>
+              <a:defRPr/>
+            </a:pPr>
+            <a:r>
+              <a:rPr kumimoji="0" lang="en-US" sz="1800" b="1" i="0" u="none" strike="noStrike" kern="1200" cap="none" spc="0" normalizeH="0" baseline="0" noProof="0" dirty="0">
+                <a:ln>
+                  <a:noFill/>
+                </a:ln>
+                <a:solidFill>
+                  <a:prstClr val="black"/>
+                </a:solidFill>
+                <a:effectLst/>
+                <a:uLnTx/>
+                <a:uFillTx/>
+                <a:latin typeface="Aptos" panose="02110004020202020204"/>
+                <a:ea typeface="+mn-ea"/>
+                <a:cs typeface="+mn-cs"/>
+              </a:rPr>
+              <a:t>Memory Efficiency</a:t>
+            </a:r>
+            <a:r>
+              <a:rPr kumimoji="0" lang="en-US" sz="1800" b="0" i="0" u="none" strike="noStrike" kern="1200" cap="none" spc="0" normalizeH="0" baseline="0" noProof="0" dirty="0">
+                <a:ln>
+                  <a:noFill/>
+                </a:ln>
+                <a:solidFill>
+                  <a:prstClr val="black"/>
+                </a:solidFill>
+                <a:effectLst/>
+                <a:uLnTx/>
+                <a:uFillTx/>
+                <a:latin typeface="Aptos" panose="02110004020202020204"/>
+                <a:ea typeface="+mn-ea"/>
+                <a:cs typeface="+mn-cs"/>
+              </a:rPr>
+              <a:t>: Due to its columnar storage model and optimized data structures, Polars is able to handle large datasets with a smaller memory footprint compared to pandas.</a:t>
+            </a:r>
+          </a:p>
+          <a:p>
+            <a:pPr marL="228600" marR="0" lvl="0" indent="-228600" algn="l" defTabSz="914400" rtl="0" eaLnBrk="1" fontAlgn="auto" latinLnBrk="0" hangingPunct="1">
+              <a:lnSpc>
+                <a:spcPct val="90000"/>
+              </a:lnSpc>
+              <a:spcBef>
+                <a:spcPts val="1000"/>
+              </a:spcBef>
+              <a:spcAft>
+                <a:spcPts val="0"/>
+              </a:spcAft>
+              <a:buClrTx/>
+              <a:buSzTx/>
+              <a:buFont typeface="+mj-lt"/>
+              <a:buAutoNum type="arabicPeriod"/>
+              <a:tabLst/>
+              <a:defRPr/>
+            </a:pPr>
+            <a:r>
+              <a:rPr kumimoji="0" lang="en-US" sz="1800" b="1" i="0" u="none" strike="noStrike" kern="1200" cap="none" spc="0" normalizeH="0" baseline="0" noProof="0" dirty="0">
+                <a:ln>
+                  <a:noFill/>
+                </a:ln>
+                <a:solidFill>
+                  <a:prstClr val="black"/>
+                </a:solidFill>
+                <a:effectLst/>
+                <a:uLnTx/>
+                <a:uFillTx/>
+                <a:latin typeface="Aptos" panose="02110004020202020204"/>
+                <a:ea typeface="+mn-ea"/>
+                <a:cs typeface="+mn-cs"/>
+              </a:rPr>
+              <a:t>Lazy Computations</a:t>
+            </a:r>
+            <a:r>
+              <a:rPr kumimoji="0" lang="en-US" sz="1800" b="0" i="0" u="none" strike="noStrike" kern="1200" cap="none" spc="0" normalizeH="0" baseline="0" noProof="0" dirty="0">
+                <a:ln>
+                  <a:noFill/>
+                </a:ln>
+                <a:solidFill>
+                  <a:prstClr val="black"/>
+                </a:solidFill>
+                <a:effectLst/>
+                <a:uLnTx/>
+                <a:uFillTx/>
+                <a:latin typeface="Aptos" panose="02110004020202020204"/>
+                <a:ea typeface="+mn-ea"/>
+                <a:cs typeface="+mn-cs"/>
+              </a:rPr>
+              <a:t>: Polars supports lazy evaluation, which means that computations are queued up and only executed when necessary. This approach can lead to more efficient use of resources and faster overall performance when processing very large datasets or complex chains of data transformations.</a:t>
+            </a:r>
+          </a:p>
+          <a:p>
+            <a:pPr marL="228600" marR="0" lvl="0" indent="-228600" algn="l" defTabSz="914400" rtl="0" eaLnBrk="1" fontAlgn="auto" latinLnBrk="0" hangingPunct="1">
+              <a:lnSpc>
+                <a:spcPct val="90000"/>
+              </a:lnSpc>
+              <a:spcBef>
+                <a:spcPts val="1000"/>
+              </a:spcBef>
+              <a:spcAft>
+                <a:spcPts val="0"/>
+              </a:spcAft>
+              <a:buClrTx/>
+              <a:buSzTx/>
+              <a:buFont typeface="+mj-lt"/>
+              <a:buAutoNum type="arabicPeriod"/>
+              <a:tabLst/>
+              <a:defRPr/>
+            </a:pPr>
+            <a:r>
+              <a:rPr kumimoji="0" lang="en-US" sz="1800" b="1" i="0" u="none" strike="noStrike" kern="1200" cap="none" spc="0" normalizeH="0" baseline="0" noProof="0" dirty="0">
+                <a:ln>
+                  <a:noFill/>
+                </a:ln>
+                <a:solidFill>
+                  <a:prstClr val="black"/>
+                </a:solidFill>
+                <a:effectLst/>
+                <a:uLnTx/>
+                <a:uFillTx/>
+                <a:latin typeface="Aptos" panose="02110004020202020204"/>
+                <a:ea typeface="+mn-ea"/>
+                <a:cs typeface="+mn-cs"/>
+              </a:rPr>
+              <a:t>Expressive Syntax</a:t>
+            </a:r>
+            <a:r>
+              <a:rPr kumimoji="0" lang="en-US" sz="1800" b="0" i="0" u="none" strike="noStrike" kern="1200" cap="none" spc="0" normalizeH="0" baseline="0" noProof="0" dirty="0">
+                <a:ln>
+                  <a:noFill/>
+                </a:ln>
+                <a:solidFill>
+                  <a:prstClr val="black"/>
+                </a:solidFill>
+                <a:effectLst/>
+                <a:uLnTx/>
+                <a:uFillTx/>
+                <a:latin typeface="Aptos" panose="02110004020202020204"/>
+                <a:ea typeface="+mn-ea"/>
+                <a:cs typeface="+mn-cs"/>
+              </a:rPr>
+              <a:t>: While it provides a similar API to pandas, making it easier for pandas users to adapt, Polars also includes its own set of powerful expressions that can be used to perform complex data manipulations more succinctly.</a:t>
+            </a:r>
+          </a:p>
+          <a:p>
+            <a:pPr marL="228600" marR="0" lvl="0" indent="-228600" algn="l" defTabSz="914400" rtl="0" eaLnBrk="1" fontAlgn="auto" latinLnBrk="0" hangingPunct="1">
+              <a:lnSpc>
+                <a:spcPct val="90000"/>
+              </a:lnSpc>
+              <a:spcBef>
+                <a:spcPts val="1000"/>
+              </a:spcBef>
+              <a:spcAft>
+                <a:spcPts val="0"/>
+              </a:spcAft>
+              <a:buClrTx/>
+              <a:buSzTx/>
+              <a:buFont typeface="+mj-lt"/>
+              <a:buAutoNum type="arabicPeriod"/>
+              <a:tabLst/>
+              <a:defRPr/>
+            </a:pPr>
+            <a:r>
+              <a:rPr kumimoji="0" lang="en-US" sz="1800" b="1" i="0" u="none" strike="noStrike" kern="1200" cap="none" spc="0" normalizeH="0" baseline="0" noProof="0" dirty="0">
+                <a:ln>
+                  <a:noFill/>
+                </a:ln>
+                <a:solidFill>
+                  <a:prstClr val="black"/>
+                </a:solidFill>
+                <a:effectLst/>
+                <a:uLnTx/>
+                <a:uFillTx/>
+                <a:latin typeface="Aptos" panose="02110004020202020204"/>
+                <a:ea typeface="+mn-ea"/>
+                <a:cs typeface="+mn-cs"/>
+              </a:rPr>
+              <a:t>Interoperability</a:t>
+            </a:r>
+            <a:r>
+              <a:rPr kumimoji="0" lang="en-US" sz="1800" b="0" i="0" u="none" strike="noStrike" kern="1200" cap="none" spc="0" normalizeH="0" baseline="0" noProof="0" dirty="0">
+                <a:ln>
+                  <a:noFill/>
+                </a:ln>
+                <a:solidFill>
+                  <a:prstClr val="black"/>
+                </a:solidFill>
+                <a:effectLst/>
+                <a:uLnTx/>
+                <a:uFillTx/>
+                <a:latin typeface="Aptos" panose="02110004020202020204"/>
+                <a:ea typeface="+mn-ea"/>
+                <a:cs typeface="+mn-cs"/>
+              </a:rPr>
+              <a:t>: Polars can work well with other Python libraries commonly used in the data science stack, such as NumPy and SciPy, and it can also interface with pandas </a:t>
+            </a:r>
+            <a:r>
+              <a:rPr kumimoji="0" lang="en-US" sz="1800" b="0" i="0" u="none" strike="noStrike" kern="1200" cap="none" spc="0" normalizeH="0" baseline="0" noProof="0" dirty="0" err="1">
+                <a:ln>
+                  <a:noFill/>
+                </a:ln>
+                <a:solidFill>
+                  <a:prstClr val="black"/>
+                </a:solidFill>
+                <a:effectLst/>
+                <a:uLnTx/>
+                <a:uFillTx/>
+                <a:latin typeface="Aptos" panose="02110004020202020204"/>
+                <a:ea typeface="+mn-ea"/>
+                <a:cs typeface="+mn-cs"/>
+              </a:rPr>
+              <a:t>DataFrames</a:t>
+            </a:r>
+            <a:r>
+              <a:rPr kumimoji="0" lang="en-US" sz="1800" b="0" i="0" u="none" strike="noStrike" kern="1200" cap="none" spc="0" normalizeH="0" baseline="0" noProof="0" dirty="0">
+                <a:ln>
+                  <a:noFill/>
+                </a:ln>
+                <a:solidFill>
+                  <a:prstClr val="black"/>
+                </a:solidFill>
+                <a:effectLst/>
+                <a:uLnTx/>
+                <a:uFillTx/>
+                <a:latin typeface="Aptos" panose="02110004020202020204"/>
+                <a:ea typeface="+mn-ea"/>
+                <a:cs typeface="+mn-cs"/>
+              </a:rPr>
+              <a:t> when needed.</a:t>
+            </a:r>
+          </a:p>
+          <a:p>
+            <a:pPr marL="228600" marR="0" lvl="0" indent="-228600" algn="l" defTabSz="914400" rtl="0" eaLnBrk="1" fontAlgn="auto" latinLnBrk="0" hangingPunct="1">
+              <a:lnSpc>
+                <a:spcPct val="90000"/>
+              </a:lnSpc>
+              <a:spcBef>
+                <a:spcPts val="1000"/>
+              </a:spcBef>
+              <a:spcAft>
+                <a:spcPts val="0"/>
+              </a:spcAft>
+              <a:buClrTx/>
+              <a:buSzTx/>
+              <a:buFont typeface="+mj-lt"/>
+              <a:buAutoNum type="arabicPeriod"/>
+              <a:tabLst/>
+              <a:defRPr/>
+            </a:pPr>
+            <a:r>
+              <a:rPr kumimoji="0" lang="en-US" sz="1800" b="1" i="0" u="none" strike="noStrike" kern="1200" cap="none" spc="0" normalizeH="0" baseline="0" noProof="0" dirty="0">
+                <a:ln>
+                  <a:noFill/>
+                </a:ln>
+                <a:solidFill>
+                  <a:prstClr val="black"/>
+                </a:solidFill>
+                <a:effectLst/>
+                <a:uLnTx/>
+                <a:uFillTx/>
+                <a:latin typeface="Aptos" panose="02110004020202020204"/>
+                <a:ea typeface="+mn-ea"/>
+                <a:cs typeface="+mn-cs"/>
+              </a:rPr>
+              <a:t>Versatility</a:t>
+            </a:r>
+            <a:r>
+              <a:rPr kumimoji="0" lang="en-US" sz="1800" b="0" i="0" u="none" strike="noStrike" kern="1200" cap="none" spc="0" normalizeH="0" baseline="0" noProof="0" dirty="0">
+                <a:ln>
+                  <a:noFill/>
+                </a:ln>
+                <a:solidFill>
+                  <a:prstClr val="black"/>
+                </a:solidFill>
+                <a:effectLst/>
+                <a:uLnTx/>
+                <a:uFillTx/>
+                <a:latin typeface="Aptos" panose="02110004020202020204"/>
+                <a:ea typeface="+mn-ea"/>
+                <a:cs typeface="+mn-cs"/>
+              </a:rPr>
+              <a:t>: It can be used for a variety of tasks like data cleaning, transformation, aggregation, and preparation for machine learning models.</a:t>
+            </a:r>
+          </a:p>
+          <a:p>
+            <a:pPr marL="228600" marR="0" lvl="0" indent="-228600" algn="l" defTabSz="914400" rtl="0" eaLnBrk="1" fontAlgn="auto" latinLnBrk="0" hangingPunct="1">
+              <a:lnSpc>
+                <a:spcPct val="90000"/>
+              </a:lnSpc>
+              <a:spcBef>
+                <a:spcPts val="1000"/>
+              </a:spcBef>
+              <a:spcAft>
+                <a:spcPts val="0"/>
+              </a:spcAft>
+              <a:buClrTx/>
+              <a:buSzTx/>
+              <a:buFont typeface="Arial" panose="020B0604020202020204" pitchFamily="34" charset="0"/>
+              <a:buChar char="•"/>
+              <a:tabLst/>
+              <a:defRPr/>
+            </a:pPr>
+            <a:r>
+              <a:rPr kumimoji="0" lang="en-US" sz="1800" b="0" i="0" u="none" strike="noStrike" kern="1200" cap="none" spc="0" normalizeH="0" baseline="0" noProof="0" dirty="0">
+                <a:ln>
+                  <a:noFill/>
+                </a:ln>
+                <a:solidFill>
+                  <a:prstClr val="black"/>
+                </a:solidFill>
+                <a:effectLst/>
+                <a:uLnTx/>
+                <a:uFillTx/>
+                <a:latin typeface="Aptos" panose="02110004020202020204"/>
+                <a:ea typeface="+mn-ea"/>
+                <a:cs typeface="+mn-cs"/>
+              </a:rPr>
+              <a:t>Polars is particularly useful in scenarios where performance and speed are critical, and it is often used as an alternative to pandas when working with very large datasets that do not fit comfortably into memory.</a:t>
+            </a:r>
+          </a:p>
+          <a:p>
+            <a:endParaRPr lang="en-US" dirty="0"/>
+          </a:p>
+        </p:txBody>
+      </p:sp>
+    </p:spTree>
+    <p:extLst>
+      <p:ext uri="{BB962C8B-B14F-4D97-AF65-F5344CB8AC3E}">
+        <p14:creationId xmlns:p14="http://schemas.microsoft.com/office/powerpoint/2010/main" val="99921509"/>
+      </p:ext>
+    </p:extLst>
+  </p:cSld>
+  <p:clrMapOvr>
+    <a:masterClrMapping/>
+  </p:clrMapOvr>
+</p:sld>
+</file>
+
+<file path=ppt/slides/slide5.xml><?xml version="1.0" encoding="utf-8"?>
 <p:sld xmlns:a="http://schemas.openxmlformats.org/drawingml/2006/main" xmlns:r="http://schemas.openxmlformats.org/officeDocument/2006/relationships" xmlns:p="http://schemas.openxmlformats.org/presentationml/2006/main">
   <p:cSld>
     <p:spTree>
@@ -3921,7 +4521,7 @@
           <a:lstStyle/>
           <a:p>
             <a:r>
-              <a:rPr lang="en-US" sz="1800" dirty="0"/>
+              <a:rPr lang="en-US" sz="1600" dirty="0"/>
               <a:t>Pandas and Polars are both popular data manipulation libraries in Python, but they are designed with different focuses and underlying architectures. Here’s a comparison of some key differences between pandas and Polars:</a:t>
             </a:r>
           </a:p>
@@ -3931,11 +4531,11 @@
               <a:buAutoNum type="arabicPeriod"/>
             </a:pPr>
             <a:r>
-              <a:rPr lang="en-US" sz="1800" b="1" dirty="0"/>
+              <a:rPr lang="en-US" sz="1600" b="1" dirty="0"/>
               <a:t>Performance and Scalability</a:t>
             </a:r>
             <a:r>
-              <a:rPr lang="en-US" sz="1800" dirty="0"/>
+              <a:rPr lang="en-US" sz="1600" dirty="0"/>
               <a:t>:</a:t>
             </a:r>
           </a:p>
@@ -3945,11 +4545,11 @@
               <a:buAutoNum type="arabicPeriod"/>
             </a:pPr>
             <a:r>
-              <a:rPr lang="en-US" sz="1800" b="1" dirty="0"/>
+              <a:rPr lang="en-US" sz="1600" b="1" dirty="0"/>
               <a:t>Pandas</a:t>
             </a:r>
             <a:r>
-              <a:rPr lang="en-US" sz="1800" dirty="0"/>
+              <a:rPr lang="en-US" sz="1600" dirty="0"/>
               <a:t>: It's widely used for its ease of use and flexibility but can struggle with performance issues, especially with very large datasets. Its performance typically degrades as the size of the data grows beyond the memory capacity of a single machine.</a:t>
             </a:r>
           </a:p>
@@ -3959,11 +4559,11 @@
               <a:buAutoNum type="arabicPeriod"/>
             </a:pPr>
             <a:r>
-              <a:rPr lang="en-US" sz="1800" b="1" dirty="0"/>
+              <a:rPr lang="en-US" sz="1600" b="1" dirty="0"/>
               <a:t>Polars</a:t>
             </a:r>
             <a:r>
-              <a:rPr lang="en-US" sz="1800" dirty="0"/>
+              <a:rPr lang="en-US" sz="1600" dirty="0"/>
               <a:t>: Designed to handle large datasets more efficiently, it uses a multi-threaded approach and is built on Rust, which gives it speed and memory efficiency advantages over pandas. Polars is often faster for large datasets and complex data manipulations.</a:t>
             </a:r>
           </a:p>
@@ -3973,11 +4573,11 @@
               <a:buAutoNum type="arabicPeriod"/>
             </a:pPr>
             <a:r>
-              <a:rPr lang="en-US" sz="1800" b="1" dirty="0"/>
+              <a:rPr lang="en-US" sz="1600" b="1" dirty="0"/>
               <a:t>API and Ease of Use</a:t>
             </a:r>
             <a:r>
-              <a:rPr lang="en-US" sz="1800" dirty="0"/>
+              <a:rPr lang="en-US" sz="1600" dirty="0"/>
               <a:t>:</a:t>
             </a:r>
           </a:p>
@@ -3987,11 +4587,11 @@
               <a:buAutoNum type="arabicPeriod"/>
             </a:pPr>
             <a:r>
-              <a:rPr lang="en-US" sz="1800" b="1" dirty="0"/>
+              <a:rPr lang="en-US" sz="1600" b="1" dirty="0"/>
               <a:t>Pandas</a:t>
             </a:r>
             <a:r>
-              <a:rPr lang="en-US" sz="1800" dirty="0"/>
+              <a:rPr lang="en-US" sz="1600" dirty="0"/>
               <a:t>: Has a well-established, intuitive API that is deeply integrated into the Python data science ecosystem. It offers a broad range of functionalities and is often the first choice for data manipulation tasks in Python.</a:t>
             </a:r>
           </a:p>
@@ -4001,25 +4601,176 @@
               <a:buAutoNum type="arabicPeriod"/>
             </a:pPr>
             <a:r>
-              <a:rPr lang="en-US" sz="1800" b="1" dirty="0"/>
+              <a:rPr lang="en-US" sz="1600" b="1" dirty="0"/>
               <a:t>Polars</a:t>
             </a:r>
             <a:r>
-              <a:rPr lang="en-US" sz="1800" dirty="0"/>
+              <a:rPr lang="en-US" sz="1600" dirty="0"/>
               <a:t>: While it provides an API similar to pandas to ease transition, it also introduces a unique expression system for lazy computations, which can be more verbose but allows for more optimized workflows.</a:t>
             </a:r>
           </a:p>
+        </p:txBody>
+      </p:sp>
+    </p:spTree>
+    <p:extLst>
+      <p:ext uri="{BB962C8B-B14F-4D97-AF65-F5344CB8AC3E}">
+        <p14:creationId xmlns:p14="http://schemas.microsoft.com/office/powerpoint/2010/main" val="780605579"/>
+      </p:ext>
+    </p:extLst>
+  </p:cSld>
+  <p:clrMapOvr>
+    <a:masterClrMapping/>
+  </p:clrMapOvr>
+</p:sld>
+</file>
+
+<file path=ppt/slides/slide6.xml><?xml version="1.0" encoding="utf-8"?>
+<p:sld xmlns:a="http://schemas.openxmlformats.org/drawingml/2006/main" xmlns:r="http://schemas.openxmlformats.org/officeDocument/2006/relationships" xmlns:p="http://schemas.openxmlformats.org/presentationml/2006/main">
+  <p:cSld>
+    <p:spTree>
+      <p:nvGrpSpPr>
+        <p:cNvPr id="1" name=""/>
+        <p:cNvGrpSpPr/>
+        <p:nvPr/>
+      </p:nvGrpSpPr>
+      <p:grpSpPr>
+        <a:xfrm>
+          <a:off x="0" y="0"/>
+          <a:ext cx="0" cy="0"/>
+          <a:chOff x="0" y="0"/>
+          <a:chExt cx="0" cy="0"/>
+        </a:xfrm>
+      </p:grpSpPr>
+      <p:graphicFrame>
+        <p:nvGraphicFramePr>
+          <p:cNvPr id="5" name="think-cell data - do not delete" hidden="1">
+            <a:extLst>
+              <a:ext uri="{FF2B5EF4-FFF2-40B4-BE49-F238E27FC236}">
+                <a16:creationId xmlns:a16="http://schemas.microsoft.com/office/drawing/2014/main" id="{A0212E6F-CC75-3877-0F3F-B1E1A43B47DF}"/>
+              </a:ext>
+            </a:extLst>
+          </p:cNvPr>
+          <p:cNvGraphicFramePr>
+            <a:graphicFrameLocks noChangeAspect="1"/>
+          </p:cNvGraphicFramePr>
+          <p:nvPr>
+            <p:custDataLst>
+              <p:tags r:id="rId1"/>
+            </p:custDataLst>
+            <p:extLst>
+              <p:ext uri="{D42A27DB-BD31-4B8C-83A1-F6EECF244321}">
+                <p14:modId xmlns:p14="http://schemas.microsoft.com/office/powerpoint/2010/main" val="3010613836"/>
+              </p:ext>
+            </p:extLst>
+          </p:nvPr>
+        </p:nvGraphicFramePr>
+        <p:xfrm>
+          <a:off x="1588" y="1588"/>
+          <a:ext cx="1588" cy="1588"/>
+        </p:xfrm>
+        <a:graphic>
+          <a:graphicData uri="http://schemas.openxmlformats.org/presentationml/2006/ole">
+            <mc:AlternateContent xmlns:mc="http://schemas.openxmlformats.org/markup-compatibility/2006">
+              <mc:Choice xmlns:v="urn:schemas-microsoft-com:vml" Requires="v">
+                <p:oleObj name="think-cell Slide" r:id="rId3" imgW="606" imgH="608" progId="TCLayout.ActiveDocument.1">
+                  <p:embed/>
+                </p:oleObj>
+              </mc:Choice>
+              <mc:Fallback>
+                <p:oleObj name="think-cell Slide" r:id="rId3" imgW="606" imgH="608" progId="TCLayout.ActiveDocument.1">
+                  <p:embed/>
+                  <p:pic>
+                    <p:nvPicPr>
+                      <p:cNvPr id="0" name=""/>
+                      <p:cNvPicPr/>
+                      <p:nvPr/>
+                    </p:nvPicPr>
+                    <p:blipFill>
+                      <a:blip r:embed="rId4"/>
+                      <a:stretch>
+                        <a:fillRect/>
+                      </a:stretch>
+                    </p:blipFill>
+                    <p:spPr>
+                      <a:xfrm>
+                        <a:off x="1588" y="1588"/>
+                        <a:ext cx="1588" cy="1588"/>
+                      </a:xfrm>
+                      <a:prstGeom prst="rect">
+                        <a:avLst/>
+                      </a:prstGeom>
+                    </p:spPr>
+                  </p:pic>
+                </p:oleObj>
+              </mc:Fallback>
+            </mc:AlternateContent>
+          </a:graphicData>
+        </a:graphic>
+      </p:graphicFrame>
+      <p:sp>
+        <p:nvSpPr>
+          <p:cNvPr id="2" name="Title 1">
+            <a:extLst>
+              <a:ext uri="{FF2B5EF4-FFF2-40B4-BE49-F238E27FC236}">
+                <a16:creationId xmlns:a16="http://schemas.microsoft.com/office/drawing/2014/main" id="{DCE867F3-30E0-37E7-488E-6BE9A6E91C25}"/>
+              </a:ext>
+            </a:extLst>
+          </p:cNvPr>
+          <p:cNvSpPr>
+            <a:spLocks noGrp="1"/>
+          </p:cNvSpPr>
+          <p:nvPr>
+            <p:ph type="title"/>
+          </p:nvPr>
+        </p:nvSpPr>
+        <p:spPr/>
+        <p:txBody>
+          <a:bodyPr vert="horz"/>
+          <a:lstStyle/>
+          <a:p>
+            <a:r>
+              <a:rPr lang="en-US" dirty="0"/>
+              <a:t>How is Polars Different than Pandas</a:t>
+            </a:r>
+          </a:p>
+        </p:txBody>
+      </p:sp>
+      <p:sp>
+        <p:nvSpPr>
+          <p:cNvPr id="3" name="Content Placeholder 2">
+            <a:extLst>
+              <a:ext uri="{FF2B5EF4-FFF2-40B4-BE49-F238E27FC236}">
+                <a16:creationId xmlns:a16="http://schemas.microsoft.com/office/drawing/2014/main" id="{42C74013-65C0-05E9-D9DC-44FA6E5CA71D}"/>
+              </a:ext>
+            </a:extLst>
+          </p:cNvPr>
+          <p:cNvSpPr>
+            <a:spLocks noGrp="1"/>
+          </p:cNvSpPr>
+          <p:nvPr>
+            <p:ph idx="1"/>
+          </p:nvPr>
+        </p:nvSpPr>
+        <p:spPr>
+          <a:xfrm>
+            <a:off x="838200" y="1591408"/>
+            <a:ext cx="10515600" cy="4585555"/>
+          </a:xfrm>
+        </p:spPr>
+        <p:txBody>
+          <a:bodyPr/>
+          <a:lstStyle/>
           <a:p>
             <a:pPr>
               <a:buFont typeface="+mj-lt"/>
               <a:buAutoNum type="arabicPeriod"/>
             </a:pPr>
             <a:r>
-              <a:rPr lang="en-US" sz="1800" b="1" dirty="0"/>
+              <a:rPr lang="en-US" sz="1600" b="1" dirty="0"/>
               <a:t>Data Handling and Storage</a:t>
             </a:r>
             <a:r>
-              <a:rPr lang="en-US" sz="1800" dirty="0"/>
+              <a:rPr lang="en-US" sz="1600" dirty="0"/>
               <a:t>:</a:t>
             </a:r>
           </a:p>
@@ -4029,19 +4780,19 @@
               <a:buAutoNum type="arabicPeriod"/>
             </a:pPr>
             <a:r>
-              <a:rPr lang="en-US" sz="1800" b="1" dirty="0"/>
+              <a:rPr lang="en-US" sz="1600" b="1" dirty="0"/>
               <a:t>Pandas</a:t>
             </a:r>
             <a:r>
-              <a:rPr lang="en-US" sz="1800" dirty="0"/>
+              <a:rPr lang="en-US" sz="1600" dirty="0"/>
               <a:t>: Uses an in-memory row-based </a:t>
             </a:r>
             <a:r>
-              <a:rPr lang="en-US" sz="1800" dirty="0" err="1"/>
+              <a:rPr lang="en-US" sz="1600" dirty="0" err="1"/>
               <a:t>DataFrame</a:t>
             </a:r>
             <a:r>
-              <a:rPr lang="en-US" sz="1800" dirty="0"/>
+              <a:rPr lang="en-US" sz="1600" dirty="0"/>
               <a:t> which can lead to inefficiencies when dealing with large datasets or when performing operations that are naturally columnar.</a:t>
             </a:r>
           </a:p>
@@ -4051,11 +4802,11 @@
               <a:buAutoNum type="arabicPeriod"/>
             </a:pPr>
             <a:r>
-              <a:rPr lang="en-US" sz="1800" b="1" dirty="0"/>
+              <a:rPr lang="en-US" sz="1600" b="1" dirty="0"/>
               <a:t>Polars</a:t>
             </a:r>
             <a:r>
-              <a:rPr lang="en-US" sz="1800" dirty="0"/>
+              <a:rPr lang="en-US" sz="1600" dirty="0"/>
               <a:t>: Utilizes a columnar storage format, which is more efficient for many types of operations and is better for optimizing memory usage during computations.</a:t>
             </a:r>
           </a:p>
@@ -4065,11 +4816,11 @@
               <a:buAutoNum type="arabicPeriod"/>
             </a:pPr>
             <a:r>
-              <a:rPr lang="en-US" sz="1800" b="1" dirty="0"/>
+              <a:rPr lang="en-US" sz="1600" b="1" dirty="0"/>
               <a:t>Concurrency and Parallelism</a:t>
             </a:r>
             <a:r>
-              <a:rPr lang="en-US" sz="1800" dirty="0"/>
+              <a:rPr lang="en-US" sz="1600" dirty="0"/>
               <a:t>:</a:t>
             </a:r>
           </a:p>
@@ -4079,19 +4830,19 @@
               <a:buAutoNum type="arabicPeriod"/>
             </a:pPr>
             <a:r>
-              <a:rPr lang="en-US" sz="1800" b="1" dirty="0"/>
+              <a:rPr lang="en-US" sz="1600" b="1" dirty="0"/>
               <a:t>Pandas</a:t>
             </a:r>
             <a:r>
-              <a:rPr lang="en-US" sz="1800" dirty="0"/>
+              <a:rPr lang="en-US" sz="1600" dirty="0"/>
               <a:t>: Generally operates in a single-threaded manner, which means it does not naturally take advantage of multi-core CPUs without external tools like </a:t>
             </a:r>
             <a:r>
-              <a:rPr lang="en-US" sz="1800" dirty="0" err="1"/>
+              <a:rPr lang="en-US" sz="1600" dirty="0" err="1"/>
               <a:t>Dask</a:t>
             </a:r>
             <a:r>
-              <a:rPr lang="en-US" sz="1800" dirty="0"/>
+              <a:rPr lang="en-US" sz="1600" dirty="0"/>
               <a:t>.</a:t>
             </a:r>
           </a:p>
@@ -4101,11 +4852,11 @@
               <a:buAutoNum type="arabicPeriod"/>
             </a:pPr>
             <a:r>
-              <a:rPr lang="en-US" sz="1800" b="1" dirty="0"/>
+              <a:rPr lang="en-US" sz="1600" b="1" dirty="0"/>
               <a:t>Polars</a:t>
             </a:r>
             <a:r>
-              <a:rPr lang="en-US" sz="1800" dirty="0"/>
+              <a:rPr lang="en-US" sz="1600" dirty="0"/>
               <a:t>: Built from the ground up to support multi-threading, allowing it to perform operations in parallel and thus significantly speeding up data processing tasks on multi-core machines.</a:t>
             </a:r>
           </a:p>
@@ -4115,11 +4866,11 @@
               <a:buAutoNum type="arabicPeriod"/>
             </a:pPr>
             <a:r>
-              <a:rPr lang="en-US" sz="1800" b="1" dirty="0"/>
+              <a:rPr lang="en-US" sz="1600" b="1" dirty="0"/>
               <a:t>Lazy Evaluation</a:t>
             </a:r>
             <a:r>
-              <a:rPr lang="en-US" sz="1800" dirty="0"/>
+              <a:rPr lang="en-US" sz="1600" dirty="0"/>
               <a:t>:</a:t>
             </a:r>
           </a:p>
@@ -4129,11 +4880,11 @@
               <a:buAutoNum type="arabicPeriod"/>
             </a:pPr>
             <a:r>
-              <a:rPr lang="en-US" sz="1800" b="1" dirty="0"/>
+              <a:rPr lang="en-US" sz="1600" b="1" dirty="0"/>
               <a:t>Pandas</a:t>
             </a:r>
             <a:r>
-              <a:rPr lang="en-US" sz="1800" dirty="0"/>
+              <a:rPr lang="en-US" sz="1600" dirty="0"/>
               <a:t>: Executes operations immediately when called, which can be inefficient in cases where multiple operations are chained together.</a:t>
             </a:r>
           </a:p>
@@ -4143,11 +4894,11 @@
               <a:buAutoNum type="arabicPeriod"/>
             </a:pPr>
             <a:r>
-              <a:rPr lang="en-US" sz="1800" b="1" dirty="0"/>
+              <a:rPr lang="en-US" sz="1600" b="1" dirty="0"/>
               <a:t>Polars</a:t>
             </a:r>
             <a:r>
-              <a:rPr lang="en-US" sz="1800" dirty="0"/>
+              <a:rPr lang="en-US" sz="1600" dirty="0"/>
               <a:t>: Supports lazy evaluation where operations are not executed immediately but are optimized and executed only when needed. This can lead to better performance especially in complex data pipelines.</a:t>
             </a:r>
           </a:p>
@@ -4157,11 +4908,11 @@
               <a:buAutoNum type="arabicPeriod"/>
             </a:pPr>
             <a:r>
-              <a:rPr lang="en-US" sz="1800" b="1" dirty="0"/>
+              <a:rPr lang="en-US" sz="1600" b="1" dirty="0"/>
               <a:t>Memory Management</a:t>
             </a:r>
             <a:r>
-              <a:rPr lang="en-US" sz="1800" dirty="0"/>
+              <a:rPr lang="en-US" sz="1600" dirty="0"/>
               <a:t>:</a:t>
             </a:r>
           </a:p>
@@ -4171,11 +4922,11 @@
               <a:buAutoNum type="arabicPeriod"/>
             </a:pPr>
             <a:r>
-              <a:rPr lang="en-US" sz="1800" b="1" dirty="0"/>
+              <a:rPr lang="en-US" sz="1600" b="1" dirty="0"/>
               <a:t>Pandas</a:t>
             </a:r>
             <a:r>
-              <a:rPr lang="en-US" sz="1800" dirty="0"/>
+              <a:rPr lang="en-US" sz="1600" dirty="0"/>
               <a:t>: Can sometimes use memory inefficiently, particularly with operations that involve copying data.</a:t>
             </a:r>
           </a:p>
@@ -4185,29 +4936,178 @@
               <a:buAutoNum type="arabicPeriod"/>
             </a:pPr>
             <a:r>
-              <a:rPr lang="en-US" sz="1800" b="1" dirty="0"/>
+              <a:rPr lang="en-US" sz="1600" b="1" dirty="0"/>
               <a:t>Polars</a:t>
             </a:r>
             <a:r>
-              <a:rPr lang="en-US" sz="1800" dirty="0"/>
+              <a:rPr lang="en-US" sz="1600" dirty="0"/>
               <a:t>: More efficient with memory due to its columnar approach and built-in optimizations that minimize unnecessary data duplication.</a:t>
             </a:r>
           </a:p>
           <a:p>
-            <a:r>
-              <a:rPr lang="en-US" sz="1800" dirty="0"/>
-              <a:t>In summary, while pandas is an excellent tool for many data manipulation tasks, particularly for small to moderately sized datasets, Polars offers significant advantages in terms of performance and efficiency for larger datasets or when parallel processing capabilities are needed. Depending on the specific requirements of a project, one might be more suitable than the other.</a:t>
-            </a:r>
-          </a:p>
-          <a:p>
-            <a:endParaRPr lang="en-US" sz="1800" dirty="0"/>
+            <a:endParaRPr lang="en-US" dirty="0"/>
           </a:p>
         </p:txBody>
       </p:sp>
     </p:spTree>
     <p:extLst>
       <p:ext uri="{BB962C8B-B14F-4D97-AF65-F5344CB8AC3E}">
-        <p14:creationId xmlns:p14="http://schemas.microsoft.com/office/powerpoint/2010/main" val="780605579"/>
+        <p14:creationId xmlns:p14="http://schemas.microsoft.com/office/powerpoint/2010/main" val="3707181718"/>
+      </p:ext>
+    </p:extLst>
+  </p:cSld>
+  <p:clrMapOvr>
+    <a:masterClrMapping/>
+  </p:clrMapOvr>
+</p:sld>
+</file>
+
+<file path=ppt/slides/slide7.xml><?xml version="1.0" encoding="utf-8"?>
+<p:sld xmlns:a="http://schemas.openxmlformats.org/drawingml/2006/main" xmlns:r="http://schemas.openxmlformats.org/officeDocument/2006/relationships" xmlns:p="http://schemas.openxmlformats.org/presentationml/2006/main">
+  <p:cSld>
+    <p:spTree>
+      <p:nvGrpSpPr>
+        <p:cNvPr id="1" name=""/>
+        <p:cNvGrpSpPr/>
+        <p:nvPr/>
+      </p:nvGrpSpPr>
+      <p:grpSpPr>
+        <a:xfrm>
+          <a:off x="0" y="0"/>
+          <a:ext cx="0" cy="0"/>
+          <a:chOff x="0" y="0"/>
+          <a:chExt cx="0" cy="0"/>
+        </a:xfrm>
+      </p:grpSpPr>
+      <p:graphicFrame>
+        <p:nvGraphicFramePr>
+          <p:cNvPr id="4" name="think-cell data - do not delete" hidden="1">
+            <a:extLst>
+              <a:ext uri="{FF2B5EF4-FFF2-40B4-BE49-F238E27FC236}">
+                <a16:creationId xmlns:a16="http://schemas.microsoft.com/office/drawing/2014/main" id="{149FDA89-2BE7-F3B1-B947-20A4F2C245D8}"/>
+              </a:ext>
+            </a:extLst>
+          </p:cNvPr>
+          <p:cNvGraphicFramePr>
+            <a:graphicFrameLocks noChangeAspect="1"/>
+          </p:cNvGraphicFramePr>
+          <p:nvPr>
+            <p:custDataLst>
+              <p:tags r:id="rId1"/>
+            </p:custDataLst>
+            <p:extLst>
+              <p:ext uri="{D42A27DB-BD31-4B8C-83A1-F6EECF244321}">
+                <p14:modId xmlns:p14="http://schemas.microsoft.com/office/powerpoint/2010/main" val="753424000"/>
+              </p:ext>
+            </p:extLst>
+          </p:nvPr>
+        </p:nvGraphicFramePr>
+        <p:xfrm>
+          <a:off x="1588" y="1588"/>
+          <a:ext cx="1588" cy="1588"/>
+        </p:xfrm>
+        <a:graphic>
+          <a:graphicData uri="http://schemas.openxmlformats.org/presentationml/2006/ole">
+            <mc:AlternateContent xmlns:mc="http://schemas.openxmlformats.org/markup-compatibility/2006">
+              <mc:Choice xmlns:v="urn:schemas-microsoft-com:vml" Requires="v">
+                <p:oleObj name="think-cell Slide" r:id="rId3" imgW="606" imgH="608" progId="TCLayout.ActiveDocument.1">
+                  <p:embed/>
+                </p:oleObj>
+              </mc:Choice>
+              <mc:Fallback>
+                <p:oleObj name="think-cell Slide" r:id="rId3" imgW="606" imgH="608" progId="TCLayout.ActiveDocument.1">
+                  <p:embed/>
+                  <p:pic>
+                    <p:nvPicPr>
+                      <p:cNvPr id="0" name=""/>
+                      <p:cNvPicPr/>
+                      <p:nvPr/>
+                    </p:nvPicPr>
+                    <p:blipFill>
+                      <a:blip r:embed="rId4"/>
+                      <a:stretch>
+                        <a:fillRect/>
+                      </a:stretch>
+                    </p:blipFill>
+                    <p:spPr>
+                      <a:xfrm>
+                        <a:off x="1588" y="1588"/>
+                        <a:ext cx="1588" cy="1588"/>
+                      </a:xfrm>
+                      <a:prstGeom prst="rect">
+                        <a:avLst/>
+                      </a:prstGeom>
+                    </p:spPr>
+                  </p:pic>
+                </p:oleObj>
+              </mc:Fallback>
+            </mc:AlternateContent>
+          </a:graphicData>
+        </a:graphic>
+      </p:graphicFrame>
+      <p:sp>
+        <p:nvSpPr>
+          <p:cNvPr id="2" name="Title 1">
+            <a:extLst>
+              <a:ext uri="{FF2B5EF4-FFF2-40B4-BE49-F238E27FC236}">
+                <a16:creationId xmlns:a16="http://schemas.microsoft.com/office/drawing/2014/main" id="{60583AC9-21B1-202A-2DB7-BDDAC72FEFD8}"/>
+              </a:ext>
+            </a:extLst>
+          </p:cNvPr>
+          <p:cNvSpPr>
+            <a:spLocks noGrp="1"/>
+          </p:cNvSpPr>
+          <p:nvPr>
+            <p:ph type="title"/>
+          </p:nvPr>
+        </p:nvSpPr>
+        <p:spPr/>
+        <p:txBody>
+          <a:bodyPr vert="horz"/>
+          <a:lstStyle/>
+          <a:p>
+            <a:r>
+              <a:rPr lang="en-US" dirty="0"/>
+              <a:t>Summary</a:t>
+            </a:r>
+          </a:p>
+        </p:txBody>
+      </p:sp>
+      <p:sp>
+        <p:nvSpPr>
+          <p:cNvPr id="3" name="Content Placeholder 2">
+            <a:extLst>
+              <a:ext uri="{FF2B5EF4-FFF2-40B4-BE49-F238E27FC236}">
+                <a16:creationId xmlns:a16="http://schemas.microsoft.com/office/drawing/2014/main" id="{E5CC1173-F468-7CCE-84A4-9782F100BCBC}"/>
+              </a:ext>
+            </a:extLst>
+          </p:cNvPr>
+          <p:cNvSpPr>
+            <a:spLocks noGrp="1"/>
+          </p:cNvSpPr>
+          <p:nvPr>
+            <p:ph idx="1"/>
+          </p:nvPr>
+        </p:nvSpPr>
+        <p:spPr/>
+        <p:txBody>
+          <a:bodyPr/>
+          <a:lstStyle/>
+          <a:p>
+            <a:r>
+              <a:rPr lang="en-US" sz="2800" dirty="0"/>
+              <a:t>In summary, while pandas is an excellent tool for many data manipulation tasks, particularly for small to moderately sized datasets, Polars offers significant advantages in terms of performance and efficiency for larger datasets or when parallel processing capabilities are needed. Depending on the specific requirements of a project, one might be more suitable than the other.</a:t>
+            </a:r>
+          </a:p>
+          <a:p>
+            <a:endParaRPr lang="en-US" dirty="0"/>
+          </a:p>
+        </p:txBody>
+      </p:sp>
+    </p:spTree>
+    <p:extLst>
+      <p:ext uri="{BB962C8B-B14F-4D97-AF65-F5344CB8AC3E}">
+        <p14:creationId xmlns:p14="http://schemas.microsoft.com/office/powerpoint/2010/main" val="920591595"/>
       </p:ext>
     </p:extLst>
   </p:cSld>
@@ -4236,6 +5136,24 @@
 </file>
 
 <file path=ppt/tags/tag4.xml><?xml version="1.0" encoding="utf-8"?>
+<p:tagLst xmlns:a="http://schemas.openxmlformats.org/drawingml/2006/main" xmlns:r="http://schemas.openxmlformats.org/officeDocument/2006/relationships" xmlns:p="http://schemas.openxmlformats.org/presentationml/2006/main">
+  <p:tag name="THINKCELLSHAPEDONOTDELETE" val="thinkcellActiveDocDoNotDelete"/>
+</p:tagLst>
+</file>
+
+<file path=ppt/tags/tag5.xml><?xml version="1.0" encoding="utf-8"?>
+<p:tagLst xmlns:a="http://schemas.openxmlformats.org/drawingml/2006/main" xmlns:r="http://schemas.openxmlformats.org/officeDocument/2006/relationships" xmlns:p="http://schemas.openxmlformats.org/presentationml/2006/main">
+  <p:tag name="THINKCELLSHAPEDONOTDELETE" val="thinkcellActiveDocDoNotDelete"/>
+</p:tagLst>
+</file>
+
+<file path=ppt/tags/tag6.xml><?xml version="1.0" encoding="utf-8"?>
+<p:tagLst xmlns:a="http://schemas.openxmlformats.org/drawingml/2006/main" xmlns:r="http://schemas.openxmlformats.org/officeDocument/2006/relationships" xmlns:p="http://schemas.openxmlformats.org/presentationml/2006/main">
+  <p:tag name="THINKCELLSHAPEDONOTDELETE" val="thinkcellActiveDocDoNotDelete"/>
+</p:tagLst>
+</file>
+
+<file path=ppt/tags/tag7.xml><?xml version="1.0" encoding="utf-8"?>
 <p:tagLst xmlns:a="http://schemas.openxmlformats.org/drawingml/2006/main" xmlns:r="http://schemas.openxmlformats.org/officeDocument/2006/relationships" xmlns:p="http://schemas.openxmlformats.org/presentationml/2006/main">
   <p:tag name="THINKCELLSHAPEDONOTDELETE" val="thinkcellActiveDocDoNotDelete"/>
 </p:tagLst>

--- a/Midterm_Polars/Polar_PythonLibrary.pptx
+++ b/Midterm_Polars/Polar_PythonLibrary.pptx
@@ -12,6 +12,8 @@
     <p:sldId id="257" r:id="rId6"/>
     <p:sldId id="261" r:id="rId7"/>
     <p:sldId id="262" r:id="rId8"/>
+    <p:sldId id="263" r:id="rId9"/>
+    <p:sldId id="264" r:id="rId10"/>
   </p:sldIdLst>
   <p:sldSz cx="12192000" cy="6858000"/>
   <p:notesSz cx="6858000" cy="9144000"/>
@@ -3691,6 +3693,9 @@
               <a:t>It is written in Rust and is known for its high performance and efficiency, particularly when working with large datasets. Polars utilizes a multi-threaded query engine and columnar storage, enabling parallel processing and optimized memory usage. It supports lazy evaluation, optimizing queries for better performance and reduced memory consumption. </a:t>
             </a:r>
           </a:p>
+          <a:p>
+            <a:endParaRPr lang="en-US" sz="1800" dirty="0"/>
+          </a:p>
         </p:txBody>
       </p:sp>
     </p:spTree>
@@ -5108,6 +5113,387 @@
     <p:extLst>
       <p:ext uri="{BB962C8B-B14F-4D97-AF65-F5344CB8AC3E}">
         <p14:creationId xmlns:p14="http://schemas.microsoft.com/office/powerpoint/2010/main" val="920591595"/>
+      </p:ext>
+    </p:extLst>
+  </p:cSld>
+  <p:clrMapOvr>
+    <a:masterClrMapping/>
+  </p:clrMapOvr>
+</p:sld>
+</file>
+
+<file path=ppt/slides/slide8.xml><?xml version="1.0" encoding="utf-8"?>
+<p:sld xmlns:a="http://schemas.openxmlformats.org/drawingml/2006/main" xmlns:r="http://schemas.openxmlformats.org/officeDocument/2006/relationships" xmlns:p="http://schemas.openxmlformats.org/presentationml/2006/main">
+  <p:cSld>
+    <p:spTree>
+      <p:nvGrpSpPr>
+        <p:cNvPr id="1" name=""/>
+        <p:cNvGrpSpPr/>
+        <p:nvPr/>
+      </p:nvGrpSpPr>
+      <p:grpSpPr>
+        <a:xfrm>
+          <a:off x="0" y="0"/>
+          <a:ext cx="0" cy="0"/>
+          <a:chOff x="0" y="0"/>
+          <a:chExt cx="0" cy="0"/>
+        </a:xfrm>
+      </p:grpSpPr>
+      <p:graphicFrame>
+        <p:nvGraphicFramePr>
+          <p:cNvPr id="4" name="think-cell data - do not delete" hidden="1">
+            <a:extLst>
+              <a:ext uri="{FF2B5EF4-FFF2-40B4-BE49-F238E27FC236}">
+                <a16:creationId xmlns:a16="http://schemas.microsoft.com/office/drawing/2014/main" id="{0776722E-4520-005B-AD65-6922D22D49A0}"/>
+              </a:ext>
+            </a:extLst>
+          </p:cNvPr>
+          <p:cNvGraphicFramePr>
+            <a:graphicFrameLocks noChangeAspect="1"/>
+          </p:cNvGraphicFramePr>
+          <p:nvPr>
+            <p:custDataLst>
+              <p:tags r:id="rId1"/>
+            </p:custDataLst>
+            <p:extLst>
+              <p:ext uri="{D42A27DB-BD31-4B8C-83A1-F6EECF244321}">
+                <p14:modId xmlns:p14="http://schemas.microsoft.com/office/powerpoint/2010/main" val="4228134379"/>
+              </p:ext>
+            </p:extLst>
+          </p:nvPr>
+        </p:nvGraphicFramePr>
+        <p:xfrm>
+          <a:off x="1588" y="1588"/>
+          <a:ext cx="1588" cy="1588"/>
+        </p:xfrm>
+        <a:graphic>
+          <a:graphicData uri="http://schemas.openxmlformats.org/presentationml/2006/ole">
+            <mc:AlternateContent xmlns:mc="http://schemas.openxmlformats.org/markup-compatibility/2006">
+              <mc:Choice xmlns:v="urn:schemas-microsoft-com:vml" Requires="v">
+                <p:oleObj name="think-cell Slide" r:id="rId3" imgW="606" imgH="608" progId="TCLayout.ActiveDocument.1">
+                  <p:embed/>
+                </p:oleObj>
+              </mc:Choice>
+              <mc:Fallback>
+                <p:oleObj name="think-cell Slide" r:id="rId3" imgW="606" imgH="608" progId="TCLayout.ActiveDocument.1">
+                  <p:embed/>
+                  <p:pic>
+                    <p:nvPicPr>
+                      <p:cNvPr id="0" name=""/>
+                      <p:cNvPicPr/>
+                      <p:nvPr/>
+                    </p:nvPicPr>
+                    <p:blipFill>
+                      <a:blip r:embed="rId4"/>
+                      <a:stretch>
+                        <a:fillRect/>
+                      </a:stretch>
+                    </p:blipFill>
+                    <p:spPr>
+                      <a:xfrm>
+                        <a:off x="1588" y="1588"/>
+                        <a:ext cx="1588" cy="1588"/>
+                      </a:xfrm>
+                      <a:prstGeom prst="rect">
+                        <a:avLst/>
+                      </a:prstGeom>
+                    </p:spPr>
+                  </p:pic>
+                </p:oleObj>
+              </mc:Fallback>
+            </mc:AlternateContent>
+          </a:graphicData>
+        </a:graphic>
+      </p:graphicFrame>
+      <p:sp>
+        <p:nvSpPr>
+          <p:cNvPr id="2" name="Title 1">
+            <a:extLst>
+              <a:ext uri="{FF2B5EF4-FFF2-40B4-BE49-F238E27FC236}">
+                <a16:creationId xmlns:a16="http://schemas.microsoft.com/office/drawing/2014/main" id="{3D39B0E1-E603-018C-0D3C-2E95504C8543}"/>
+              </a:ext>
+            </a:extLst>
+          </p:cNvPr>
+          <p:cNvSpPr>
+            <a:spLocks noGrp="1"/>
+          </p:cNvSpPr>
+          <p:nvPr>
+            <p:ph type="title"/>
+          </p:nvPr>
+        </p:nvSpPr>
+        <p:spPr/>
+        <p:txBody>
+          <a:bodyPr vert="horz"/>
+          <a:lstStyle/>
+          <a:p>
+            <a:r>
+              <a:rPr lang="en-US" dirty="0" err="1"/>
+              <a:t>Apendix</a:t>
+            </a:r>
+            <a:endParaRPr lang="en-US" dirty="0"/>
+          </a:p>
+        </p:txBody>
+      </p:sp>
+      <p:sp>
+        <p:nvSpPr>
+          <p:cNvPr id="3" name="Content Placeholder 2">
+            <a:extLst>
+              <a:ext uri="{FF2B5EF4-FFF2-40B4-BE49-F238E27FC236}">
+                <a16:creationId xmlns:a16="http://schemas.microsoft.com/office/drawing/2014/main" id="{331EECA9-D296-06AA-7613-7B9B00ECF7D1}"/>
+              </a:ext>
+            </a:extLst>
+          </p:cNvPr>
+          <p:cNvSpPr>
+            <a:spLocks noGrp="1"/>
+          </p:cNvSpPr>
+          <p:nvPr>
+            <p:ph idx="1"/>
+          </p:nvPr>
+        </p:nvSpPr>
+        <p:spPr/>
+        <p:txBody>
+          <a:bodyPr>
+            <a:normAutofit/>
+          </a:bodyPr>
+          <a:lstStyle/>
+          <a:p>
+            <a:r>
+              <a:rPr lang="en-US" sz="1800" dirty="0"/>
+              <a:t>The goal of Polars is to provide a lightning fast </a:t>
+            </a:r>
+            <a:r>
+              <a:rPr lang="en-US" sz="1800" dirty="0" err="1"/>
+              <a:t>DataFrame</a:t>
+            </a:r>
+            <a:r>
+              <a:rPr lang="en-US" sz="1800" dirty="0"/>
+              <a:t> library that:</a:t>
+            </a:r>
+          </a:p>
+          <a:p>
+            <a:endParaRPr lang="en-US" sz="1800" dirty="0"/>
+          </a:p>
+          <a:p>
+            <a:r>
+              <a:rPr lang="en-US" sz="1800" dirty="0"/>
+              <a:t>Utilizes all available cores on your machine.</a:t>
+            </a:r>
+          </a:p>
+          <a:p>
+            <a:r>
+              <a:rPr lang="en-US" sz="1800" dirty="0"/>
+              <a:t>Optimizes queries to reduce unneeded work/memory allocations.</a:t>
+            </a:r>
+          </a:p>
+          <a:p>
+            <a:r>
+              <a:rPr lang="en-US" sz="1800" dirty="0"/>
+              <a:t>Handles datasets much larger than your available RAM.</a:t>
+            </a:r>
+          </a:p>
+          <a:p>
+            <a:r>
+              <a:rPr lang="en-US" sz="1800" dirty="0"/>
+              <a:t>A consistent and predictable API.</a:t>
+            </a:r>
+          </a:p>
+          <a:p>
+            <a:r>
+              <a:rPr lang="en-US" sz="1800" dirty="0"/>
+              <a:t>Adheres to a strict schema (data-types should be known before running the query).</a:t>
+            </a:r>
+          </a:p>
+          <a:p>
+            <a:r>
+              <a:rPr lang="en-US" sz="1800" dirty="0"/>
+              <a:t>Polars is written in Rust which gives it C/C++ performance and allows it to fully control performance-critical parts in a query engine.</a:t>
+            </a:r>
+          </a:p>
+        </p:txBody>
+      </p:sp>
+    </p:spTree>
+    <p:extLst>
+      <p:ext uri="{BB962C8B-B14F-4D97-AF65-F5344CB8AC3E}">
+        <p14:creationId xmlns:p14="http://schemas.microsoft.com/office/powerpoint/2010/main" val="1243977546"/>
+      </p:ext>
+    </p:extLst>
+  </p:cSld>
+  <p:clrMapOvr>
+    <a:masterClrMapping/>
+  </p:clrMapOvr>
+</p:sld>
+</file>
+
+<file path=ppt/slides/slide9.xml><?xml version="1.0" encoding="utf-8"?>
+<p:sld xmlns:a="http://schemas.openxmlformats.org/drawingml/2006/main" xmlns:r="http://schemas.openxmlformats.org/officeDocument/2006/relationships" xmlns:p="http://schemas.openxmlformats.org/presentationml/2006/main">
+  <p:cSld>
+    <p:spTree>
+      <p:nvGrpSpPr>
+        <p:cNvPr id="1" name=""/>
+        <p:cNvGrpSpPr/>
+        <p:nvPr/>
+      </p:nvGrpSpPr>
+      <p:grpSpPr>
+        <a:xfrm>
+          <a:off x="0" y="0"/>
+          <a:ext cx="0" cy="0"/>
+          <a:chOff x="0" y="0"/>
+          <a:chExt cx="0" cy="0"/>
+        </a:xfrm>
+      </p:grpSpPr>
+      <p:graphicFrame>
+        <p:nvGraphicFramePr>
+          <p:cNvPr id="4" name="think-cell data - do not delete" hidden="1">
+            <a:extLst>
+              <a:ext uri="{FF2B5EF4-FFF2-40B4-BE49-F238E27FC236}">
+                <a16:creationId xmlns:a16="http://schemas.microsoft.com/office/drawing/2014/main" id="{053277D1-7881-6E61-3B36-DAEFA1678460}"/>
+              </a:ext>
+            </a:extLst>
+          </p:cNvPr>
+          <p:cNvGraphicFramePr>
+            <a:graphicFrameLocks noChangeAspect="1"/>
+          </p:cNvGraphicFramePr>
+          <p:nvPr>
+            <p:custDataLst>
+              <p:tags r:id="rId1"/>
+            </p:custDataLst>
+            <p:extLst>
+              <p:ext uri="{D42A27DB-BD31-4B8C-83A1-F6EECF244321}">
+                <p14:modId xmlns:p14="http://schemas.microsoft.com/office/powerpoint/2010/main" val="855969851"/>
+              </p:ext>
+            </p:extLst>
+          </p:nvPr>
+        </p:nvGraphicFramePr>
+        <p:xfrm>
+          <a:off x="1588" y="1588"/>
+          <a:ext cx="1588" cy="1588"/>
+        </p:xfrm>
+        <a:graphic>
+          <a:graphicData uri="http://schemas.openxmlformats.org/presentationml/2006/ole">
+            <mc:AlternateContent xmlns:mc="http://schemas.openxmlformats.org/markup-compatibility/2006">
+              <mc:Choice xmlns:v="urn:schemas-microsoft-com:vml" Requires="v">
+                <p:oleObj name="think-cell Slide" r:id="rId3" imgW="606" imgH="608" progId="TCLayout.ActiveDocument.1">
+                  <p:embed/>
+                </p:oleObj>
+              </mc:Choice>
+              <mc:Fallback>
+                <p:oleObj name="think-cell Slide" r:id="rId3" imgW="606" imgH="608" progId="TCLayout.ActiveDocument.1">
+                  <p:embed/>
+                  <p:pic>
+                    <p:nvPicPr>
+                      <p:cNvPr id="0" name=""/>
+                      <p:cNvPicPr/>
+                      <p:nvPr/>
+                    </p:nvPicPr>
+                    <p:blipFill>
+                      <a:blip r:embed="rId4"/>
+                      <a:stretch>
+                        <a:fillRect/>
+                      </a:stretch>
+                    </p:blipFill>
+                    <p:spPr>
+                      <a:xfrm>
+                        <a:off x="1588" y="1588"/>
+                        <a:ext cx="1588" cy="1588"/>
+                      </a:xfrm>
+                      <a:prstGeom prst="rect">
+                        <a:avLst/>
+                      </a:prstGeom>
+                    </p:spPr>
+                  </p:pic>
+                </p:oleObj>
+              </mc:Fallback>
+            </mc:AlternateContent>
+          </a:graphicData>
+        </a:graphic>
+      </p:graphicFrame>
+      <p:sp>
+        <p:nvSpPr>
+          <p:cNvPr id="2" name="Title 1">
+            <a:extLst>
+              <a:ext uri="{FF2B5EF4-FFF2-40B4-BE49-F238E27FC236}">
+                <a16:creationId xmlns:a16="http://schemas.microsoft.com/office/drawing/2014/main" id="{11A05D04-8075-8131-1AF9-42A295DB0A84}"/>
+              </a:ext>
+            </a:extLst>
+          </p:cNvPr>
+          <p:cNvSpPr>
+            <a:spLocks noGrp="1"/>
+          </p:cNvSpPr>
+          <p:nvPr>
+            <p:ph type="title"/>
+          </p:nvPr>
+        </p:nvSpPr>
+        <p:spPr/>
+        <p:txBody>
+          <a:bodyPr vert="horz"/>
+          <a:lstStyle/>
+          <a:p>
+            <a:r>
+              <a:rPr lang="en-US" dirty="0"/>
+              <a:t>References</a:t>
+            </a:r>
+          </a:p>
+        </p:txBody>
+      </p:sp>
+      <p:sp>
+        <p:nvSpPr>
+          <p:cNvPr id="3" name="Content Placeholder 2">
+            <a:extLst>
+              <a:ext uri="{FF2B5EF4-FFF2-40B4-BE49-F238E27FC236}">
+                <a16:creationId xmlns:a16="http://schemas.microsoft.com/office/drawing/2014/main" id="{4AF5C313-C931-148A-01B7-C1B7651B8FFF}"/>
+              </a:ext>
+            </a:extLst>
+          </p:cNvPr>
+          <p:cNvSpPr>
+            <a:spLocks noGrp="1"/>
+          </p:cNvSpPr>
+          <p:nvPr>
+            <p:ph idx="1"/>
+          </p:nvPr>
+        </p:nvSpPr>
+        <p:spPr/>
+        <p:txBody>
+          <a:bodyPr/>
+          <a:lstStyle/>
+          <a:p>
+            <a:r>
+              <a:rPr lang="en-US" dirty="0">
+                <a:hlinkClick r:id="rId5"/>
+              </a:rPr>
+              <a:t>https://docs.pola.rs/#key-features</a:t>
+            </a:r>
+            <a:endParaRPr lang="en-US" dirty="0"/>
+          </a:p>
+          <a:p>
+            <a:r>
+              <a:rPr lang="en-US" dirty="0">
+                <a:hlinkClick r:id="rId6"/>
+              </a:rPr>
+              <a:t>https://realpython.com/polars-python/</a:t>
+            </a:r>
+            <a:endParaRPr lang="en-US" dirty="0"/>
+          </a:p>
+          <a:p>
+            <a:r>
+              <a:rPr lang="en-US" dirty="0">
+                <a:hlinkClick r:id="rId7"/>
+              </a:rPr>
+              <a:t>https://cliffy-gardens.medium.com/using-python-polars-my-late-2024-review-da806618a102</a:t>
+            </a:r>
+            <a:endParaRPr lang="en-US" dirty="0"/>
+          </a:p>
+          <a:p>
+            <a:endParaRPr lang="en-US" dirty="0"/>
+          </a:p>
+          <a:p>
+            <a:endParaRPr lang="en-US" dirty="0"/>
+          </a:p>
+        </p:txBody>
+      </p:sp>
+    </p:spTree>
+    <p:extLst>
+      <p:ext uri="{BB962C8B-B14F-4D97-AF65-F5344CB8AC3E}">
+        <p14:creationId xmlns:p14="http://schemas.microsoft.com/office/powerpoint/2010/main" val="4048664199"/>
       </p:ext>
     </p:extLst>
   </p:cSld>
@@ -5154,6 +5540,18 @@
 </file>
 
 <file path=ppt/tags/tag7.xml><?xml version="1.0" encoding="utf-8"?>
+<p:tagLst xmlns:a="http://schemas.openxmlformats.org/drawingml/2006/main" xmlns:r="http://schemas.openxmlformats.org/officeDocument/2006/relationships" xmlns:p="http://schemas.openxmlformats.org/presentationml/2006/main">
+  <p:tag name="THINKCELLSHAPEDONOTDELETE" val="thinkcellActiveDocDoNotDelete"/>
+</p:tagLst>
+</file>
+
+<file path=ppt/tags/tag8.xml><?xml version="1.0" encoding="utf-8"?>
+<p:tagLst xmlns:a="http://schemas.openxmlformats.org/drawingml/2006/main" xmlns:r="http://schemas.openxmlformats.org/officeDocument/2006/relationships" xmlns:p="http://schemas.openxmlformats.org/presentationml/2006/main">
+  <p:tag name="THINKCELLSHAPEDONOTDELETE" val="thinkcellActiveDocDoNotDelete"/>
+</p:tagLst>
+</file>
+
+<file path=ppt/tags/tag9.xml><?xml version="1.0" encoding="utf-8"?>
 <p:tagLst xmlns:a="http://schemas.openxmlformats.org/drawingml/2006/main" xmlns:r="http://schemas.openxmlformats.org/officeDocument/2006/relationships" xmlns:p="http://schemas.openxmlformats.org/presentationml/2006/main">
   <p:tag name="THINKCELLSHAPEDONOTDELETE" val="thinkcellActiveDocDoNotDelete"/>
 </p:tagLst>
